--- a/1. STEP/10일차/FLEX_문제.pptx
+++ b/1. STEP/10일차/FLEX_문제.pptx
@@ -8,6 +8,7 @@
     <p:sldId id="261" r:id="rId2"/>
     <p:sldId id="259" r:id="rId3"/>
     <p:sldId id="260" r:id="rId4"/>
+    <p:sldId id="262" r:id="rId5"/>
   </p:sldIdLst>
   <p:sldSz cx="9144000" cy="6858000" type="screen4x3"/>
   <p:notesSz cx="6858000" cy="9144000"/>
@@ -245,7 +246,7 @@
           <a:p>
             <a:fld id="{7DD8208E-8102-46A5-B30B-E4A25C342D31}" type="datetimeFigureOut">
               <a:rPr lang="ko-KR" altLang="en-US" smtClean="0"/>
-              <a:t>2024-03-06</a:t>
+              <a:t>2024-03-07</a:t>
             </a:fld>
             <a:endParaRPr lang="ko-KR" altLang="en-US"/>
           </a:p>
@@ -415,7 +416,7 @@
           <a:p>
             <a:fld id="{7DD8208E-8102-46A5-B30B-E4A25C342D31}" type="datetimeFigureOut">
               <a:rPr lang="ko-KR" altLang="en-US" smtClean="0"/>
-              <a:t>2024-03-06</a:t>
+              <a:t>2024-03-07</a:t>
             </a:fld>
             <a:endParaRPr lang="ko-KR" altLang="en-US"/>
           </a:p>
@@ -595,7 +596,7 @@
           <a:p>
             <a:fld id="{7DD8208E-8102-46A5-B30B-E4A25C342D31}" type="datetimeFigureOut">
               <a:rPr lang="ko-KR" altLang="en-US" smtClean="0"/>
-              <a:t>2024-03-06</a:t>
+              <a:t>2024-03-07</a:t>
             </a:fld>
             <a:endParaRPr lang="ko-KR" altLang="en-US"/>
           </a:p>
@@ -765,7 +766,7 @@
           <a:p>
             <a:fld id="{7DD8208E-8102-46A5-B30B-E4A25C342D31}" type="datetimeFigureOut">
               <a:rPr lang="ko-KR" altLang="en-US" smtClean="0"/>
-              <a:t>2024-03-06</a:t>
+              <a:t>2024-03-07</a:t>
             </a:fld>
             <a:endParaRPr lang="ko-KR" altLang="en-US"/>
           </a:p>
@@ -1009,7 +1010,7 @@
           <a:p>
             <a:fld id="{7DD8208E-8102-46A5-B30B-E4A25C342D31}" type="datetimeFigureOut">
               <a:rPr lang="ko-KR" altLang="en-US" smtClean="0"/>
-              <a:t>2024-03-06</a:t>
+              <a:t>2024-03-07</a:t>
             </a:fld>
             <a:endParaRPr lang="ko-KR" altLang="en-US"/>
           </a:p>
@@ -1241,7 +1242,7 @@
           <a:p>
             <a:fld id="{7DD8208E-8102-46A5-B30B-E4A25C342D31}" type="datetimeFigureOut">
               <a:rPr lang="ko-KR" altLang="en-US" smtClean="0"/>
-              <a:t>2024-03-06</a:t>
+              <a:t>2024-03-07</a:t>
             </a:fld>
             <a:endParaRPr lang="ko-KR" altLang="en-US"/>
           </a:p>
@@ -1608,7 +1609,7 @@
           <a:p>
             <a:fld id="{7DD8208E-8102-46A5-B30B-E4A25C342D31}" type="datetimeFigureOut">
               <a:rPr lang="ko-KR" altLang="en-US" smtClean="0"/>
-              <a:t>2024-03-06</a:t>
+              <a:t>2024-03-07</a:t>
             </a:fld>
             <a:endParaRPr lang="ko-KR" altLang="en-US"/>
           </a:p>
@@ -1726,7 +1727,7 @@
           <a:p>
             <a:fld id="{7DD8208E-8102-46A5-B30B-E4A25C342D31}" type="datetimeFigureOut">
               <a:rPr lang="ko-KR" altLang="en-US" smtClean="0"/>
-              <a:t>2024-03-06</a:t>
+              <a:t>2024-03-07</a:t>
             </a:fld>
             <a:endParaRPr lang="ko-KR" altLang="en-US"/>
           </a:p>
@@ -1821,7 +1822,7 @@
           <a:p>
             <a:fld id="{7DD8208E-8102-46A5-B30B-E4A25C342D31}" type="datetimeFigureOut">
               <a:rPr lang="ko-KR" altLang="en-US" smtClean="0"/>
-              <a:t>2024-03-06</a:t>
+              <a:t>2024-03-07</a:t>
             </a:fld>
             <a:endParaRPr lang="ko-KR" altLang="en-US"/>
           </a:p>
@@ -2098,7 +2099,7 @@
           <a:p>
             <a:fld id="{7DD8208E-8102-46A5-B30B-E4A25C342D31}" type="datetimeFigureOut">
               <a:rPr lang="ko-KR" altLang="en-US" smtClean="0"/>
-              <a:t>2024-03-06</a:t>
+              <a:t>2024-03-07</a:t>
             </a:fld>
             <a:endParaRPr lang="ko-KR" altLang="en-US"/>
           </a:p>
@@ -2355,7 +2356,7 @@
           <a:p>
             <a:fld id="{7DD8208E-8102-46A5-B30B-E4A25C342D31}" type="datetimeFigureOut">
               <a:rPr lang="ko-KR" altLang="en-US" smtClean="0"/>
-              <a:t>2024-03-06</a:t>
+              <a:t>2024-03-07</a:t>
             </a:fld>
             <a:endParaRPr lang="ko-KR" altLang="en-US"/>
           </a:p>
@@ -2568,7 +2569,7 @@
           <a:p>
             <a:fld id="{7DD8208E-8102-46A5-B30B-E4A25C342D31}" type="datetimeFigureOut">
               <a:rPr lang="ko-KR" altLang="en-US" smtClean="0"/>
-              <a:t>2024-03-06</a:t>
+              <a:t>2024-03-07</a:t>
             </a:fld>
             <a:endParaRPr lang="ko-KR" altLang="en-US"/>
           </a:p>
@@ -3120,7 +3121,7 @@
                   <a:srgbClr val="FF0000"/>
                 </a:solidFill>
               </a:rPr>
-              <a:t>는 </a:t>
+              <a:t> </a:t>
             </a:r>
             <a:r>
               <a:rPr lang="en-US" altLang="ko-KR" sz="1000" b="1" dirty="0">
@@ -3365,7 +3366,7 @@
         <p:spPr>
           <a:xfrm>
             <a:off x="351890" y="4059613"/>
-            <a:ext cx="5186468" cy="1323439"/>
+            <a:ext cx="5186468" cy="1477328"/>
           </a:xfrm>
           <a:prstGeom prst="rect">
             <a:avLst/>
@@ -3467,7 +3468,7 @@
                   <a:srgbClr val="FF0000"/>
                 </a:solidFill>
               </a:rPr>
-              <a:t>는 </a:t>
+              <a:t> </a:t>
             </a:r>
             <a:r>
               <a:rPr lang="en-US" altLang="ko-KR" sz="1000" b="1" dirty="0">
@@ -3608,6 +3609,50 @@
                 <a:latin typeface="Consolas" panose="020B0609020204030204" pitchFamily="49" charset="0"/>
               </a:rPr>
               <a:t>으로 조절할 것</a:t>
+            </a:r>
+            <a:endParaRPr lang="en-US" altLang="ko-KR" sz="1000" b="0" dirty="0">
+              <a:effectLst/>
+              <a:latin typeface="Consolas" panose="020B0609020204030204" pitchFamily="49" charset="0"/>
+            </a:endParaRPr>
+          </a:p>
+          <a:p>
+            <a:r>
+              <a:rPr lang="ko-KR" altLang="en-US" sz="1000" b="0" dirty="0">
+                <a:effectLst/>
+                <a:latin typeface="Consolas" panose="020B0609020204030204" pitchFamily="49" charset="0"/>
+              </a:rPr>
+              <a:t>가운데 레이아웃</a:t>
+            </a:r>
+            <a:r>
+              <a:rPr lang="en-US" altLang="ko-KR" sz="1000" b="0" dirty="0">
+                <a:effectLst/>
+                <a:latin typeface="Consolas" panose="020B0609020204030204" pitchFamily="49" charset="0"/>
+              </a:rPr>
+              <a:t>(a wonderful gift)</a:t>
+            </a:r>
+            <a:r>
+              <a:rPr lang="ko-KR" altLang="en-US" sz="1000" dirty="0">
+                <a:latin typeface="Consolas" panose="020B0609020204030204" pitchFamily="49" charset="0"/>
+              </a:rPr>
+              <a:t> </a:t>
+            </a:r>
+            <a:r>
+              <a:rPr lang="en-US" altLang="ko-KR" sz="1000" dirty="0">
+                <a:latin typeface="Consolas" panose="020B0609020204030204" pitchFamily="49" charset="0"/>
+              </a:rPr>
+              <a:t>width</a:t>
+            </a:r>
+            <a:r>
+              <a:rPr lang="ko-KR" altLang="en-US" sz="1000" dirty="0">
+                <a:latin typeface="Consolas" panose="020B0609020204030204" pitchFamily="49" charset="0"/>
+              </a:rPr>
+              <a:t>는 </a:t>
+            </a:r>
+            <a:r>
+              <a:rPr lang="en-US" altLang="ko-KR" sz="1000" dirty="0">
+                <a:latin typeface="Consolas" panose="020B0609020204030204" pitchFamily="49" charset="0"/>
+              </a:rPr>
+              <a:t>800px</a:t>
             </a:r>
             <a:endParaRPr lang="en-US" altLang="ko-KR" sz="1000" b="0" dirty="0">
               <a:effectLst/>
@@ -3793,7 +3838,7 @@
                   <a:srgbClr val="FF0000"/>
                 </a:solidFill>
               </a:rPr>
-              <a:t>는 </a:t>
+              <a:t> </a:t>
             </a:r>
             <a:r>
               <a:rPr lang="en-US" altLang="ko-KR" sz="1000" b="1" dirty="0">
@@ -3913,6 +3958,329 @@
     <p:extLst>
       <p:ext uri="{BB962C8B-B14F-4D97-AF65-F5344CB8AC3E}">
         <p14:creationId xmlns:p14="http://schemas.microsoft.com/office/powerpoint/2010/main" val="4226790159"/>
+      </p:ext>
+    </p:extLst>
+  </p:cSld>
+  <p:clrMapOvr>
+    <a:masterClrMapping/>
+  </p:clrMapOvr>
+</p:sld>
+</file>
+
+<file path=ppt/slides/slide4.xml><?xml version="1.0" encoding="utf-8"?>
+<p:sld xmlns:a="http://schemas.openxmlformats.org/drawingml/2006/main" xmlns:r="http://schemas.openxmlformats.org/officeDocument/2006/relationships" xmlns:p="http://schemas.openxmlformats.org/presentationml/2006/main">
+  <p:cSld>
+    <p:spTree>
+      <p:nvGrpSpPr>
+        <p:cNvPr id="1" name=""/>
+        <p:cNvGrpSpPr/>
+        <p:nvPr/>
+      </p:nvGrpSpPr>
+      <p:grpSpPr>
+        <a:xfrm>
+          <a:off x="0" y="0"/>
+          <a:ext cx="0" cy="0"/>
+          <a:chOff x="0" y="0"/>
+          <a:chExt cx="0" cy="0"/>
+        </a:xfrm>
+      </p:grpSpPr>
+      <p:pic>
+        <p:nvPicPr>
+          <p:cNvPr id="3" name="그림 2">
+            <a:extLst>
+              <a:ext uri="{FF2B5EF4-FFF2-40B4-BE49-F238E27FC236}">
+                <a16:creationId xmlns:a16="http://schemas.microsoft.com/office/drawing/2014/main" id="{BAA4E2EC-4E00-36BD-E295-759A71F78CAB}"/>
+              </a:ext>
+            </a:extLst>
+          </p:cNvPr>
+          <p:cNvPicPr>
+            <a:picLocks noChangeAspect="1"/>
+          </p:cNvPicPr>
+          <p:nvPr/>
+        </p:nvPicPr>
+        <p:blipFill>
+          <a:blip r:embed="rId2"/>
+          <a:stretch>
+            <a:fillRect/>
+          </a:stretch>
+        </p:blipFill>
+        <p:spPr>
+          <a:xfrm>
+            <a:off x="0" y="0"/>
+            <a:ext cx="9144000" cy="2702943"/>
+          </a:xfrm>
+          <a:prstGeom prst="rect">
+            <a:avLst/>
+          </a:prstGeom>
+        </p:spPr>
+      </p:pic>
+      <p:sp>
+        <p:nvSpPr>
+          <p:cNvPr id="4" name="TextBox 3">
+            <a:extLst>
+              <a:ext uri="{FF2B5EF4-FFF2-40B4-BE49-F238E27FC236}">
+                <a16:creationId xmlns:a16="http://schemas.microsoft.com/office/drawing/2014/main" id="{C046B965-54FD-EE4F-3961-BB96E11DD062}"/>
+              </a:ext>
+            </a:extLst>
+          </p:cNvPr>
+          <p:cNvSpPr txBox="1"/>
+          <p:nvPr/>
+        </p:nvSpPr>
+        <p:spPr>
+          <a:xfrm>
+            <a:off x="326723" y="3304603"/>
+            <a:ext cx="5186468" cy="1477328"/>
+          </a:xfrm>
+          <a:prstGeom prst="rect">
+            <a:avLst/>
+          </a:prstGeom>
+          <a:noFill/>
+        </p:spPr>
+        <p:txBody>
+          <a:bodyPr wrap="square" rtlCol="0">
+            <a:spAutoFit/>
+          </a:bodyPr>
+          <a:lstStyle/>
+          <a:p>
+            <a:r>
+              <a:rPr lang="ko-KR" altLang="en-US" sz="1000" dirty="0"/>
+              <a:t>위  </a:t>
+            </a:r>
+            <a:r>
+              <a:rPr lang="en-US" altLang="ko-KR" sz="1000" dirty="0"/>
+              <a:t>Flex </a:t>
+            </a:r>
+            <a:r>
+              <a:rPr lang="ko-KR" altLang="en-US" sz="1000" dirty="0"/>
+              <a:t>레이아웃을 만들어 보세요</a:t>
+            </a:r>
+            <a:r>
+              <a:rPr lang="en-US" altLang="ko-KR" sz="1000" dirty="0"/>
+              <a:t>. </a:t>
+            </a:r>
+            <a:r>
+              <a:rPr lang="ko-KR" altLang="en-US" sz="1000" dirty="0"/>
+              <a:t>경계선</a:t>
+            </a:r>
+            <a:r>
+              <a:rPr lang="en-US" altLang="ko-KR" sz="1000" dirty="0"/>
+              <a:t>(border) </a:t>
+            </a:r>
+            <a:r>
+              <a:rPr lang="ko-KR" altLang="en-US" sz="1000" dirty="0"/>
+              <a:t>표현은</a:t>
+            </a:r>
+            <a:r>
+              <a:rPr lang="en-US" altLang="ko-KR" sz="1000" dirty="0"/>
+              <a:t>(</a:t>
+            </a:r>
+            <a:r>
+              <a:rPr lang="ko-KR" altLang="en-US" sz="1000" dirty="0"/>
+              <a:t>는</a:t>
+            </a:r>
+            <a:r>
+              <a:rPr lang="en-US" altLang="ko-KR" sz="1000" dirty="0"/>
+              <a:t>) </a:t>
+            </a:r>
+            <a:r>
+              <a:rPr lang="ko-KR" altLang="en-US" sz="1000" dirty="0"/>
+              <a:t>자유입니다</a:t>
+            </a:r>
+            <a:r>
+              <a:rPr lang="en-US" altLang="ko-KR" sz="1000" dirty="0"/>
+              <a:t>.</a:t>
+            </a:r>
+          </a:p>
+          <a:p>
+            <a:r>
+              <a:rPr lang="ko-KR" altLang="en-US" sz="1000" dirty="0"/>
+              <a:t>글씨폰트는 다를 수 있습니다</a:t>
+            </a:r>
+            <a:r>
+              <a:rPr lang="en-US" altLang="ko-KR" sz="1000" dirty="0"/>
+              <a:t>.</a:t>
+            </a:r>
+          </a:p>
+          <a:p>
+            <a:endParaRPr lang="en-US" altLang="ko-KR" sz="1000" b="1" dirty="0">
+              <a:solidFill>
+                <a:srgbClr val="FF0000"/>
+              </a:solidFill>
+            </a:endParaRPr>
+          </a:p>
+          <a:p>
+            <a:r>
+              <a:rPr lang="ko-KR" altLang="en-US" sz="1000" b="1" dirty="0">
+                <a:solidFill>
+                  <a:srgbClr val="FF0000"/>
+                </a:solidFill>
+              </a:rPr>
+              <a:t>위 레이아웃은 </a:t>
+            </a:r>
+            <a:r>
+              <a:rPr lang="en-US" altLang="ko-KR" sz="1000" b="1" dirty="0">
+                <a:solidFill>
+                  <a:srgbClr val="FF0000"/>
+                </a:solidFill>
+              </a:rPr>
+              <a:t>Flex</a:t>
+            </a:r>
+            <a:r>
+              <a:rPr lang="ko-KR" altLang="en-US" sz="1000" b="1" dirty="0">
+                <a:solidFill>
+                  <a:srgbClr val="FF0000"/>
+                </a:solidFill>
+              </a:rPr>
+              <a:t> </a:t>
+            </a:r>
+            <a:r>
+              <a:rPr lang="en-US" altLang="ko-KR" sz="1000" b="1" dirty="0">
+                <a:solidFill>
+                  <a:srgbClr val="FF0000"/>
+                </a:solidFill>
+              </a:rPr>
+              <a:t>2</a:t>
+            </a:r>
+            <a:r>
+              <a:rPr lang="ko-KR" altLang="en-US" sz="1000" b="1" dirty="0">
+                <a:solidFill>
+                  <a:srgbClr val="FF0000"/>
+                </a:solidFill>
+              </a:rPr>
+              <a:t>번 사용했습니다</a:t>
+            </a:r>
+            <a:r>
+              <a:rPr lang="en-US" altLang="ko-KR" sz="1000" b="1" dirty="0">
+                <a:solidFill>
+                  <a:srgbClr val="FF0000"/>
+                </a:solidFill>
+              </a:rPr>
+              <a:t>.</a:t>
+            </a:r>
+          </a:p>
+          <a:p>
+            <a:endParaRPr lang="en-US" altLang="ko-KR" sz="1000" b="1" dirty="0">
+              <a:solidFill>
+                <a:srgbClr val="FF0000"/>
+              </a:solidFill>
+            </a:endParaRPr>
+          </a:p>
+          <a:p>
+            <a:r>
+              <a:rPr lang="en-US" altLang="ko-KR" sz="1000" b="1" dirty="0">
+                <a:solidFill>
+                  <a:srgbClr val="FF0000"/>
+                </a:solidFill>
+              </a:rPr>
+              <a:t>*</a:t>
+            </a:r>
+            <a:r>
+              <a:rPr lang="en-US" altLang="ko-KR" sz="1000" dirty="0"/>
+              <a:t> </a:t>
+            </a:r>
+            <a:r>
+              <a:rPr lang="ko-KR" altLang="en-US" sz="1000" b="1" dirty="0">
+                <a:solidFill>
+                  <a:srgbClr val="FF0000"/>
+                </a:solidFill>
+              </a:rPr>
+              <a:t>읽고 풀 것</a:t>
+            </a:r>
+          </a:p>
+          <a:p>
+            <a:pPr marL="228600" indent="-228600">
+              <a:buAutoNum type="arabicPeriod"/>
+            </a:pPr>
+            <a:r>
+              <a:rPr lang="ko-KR" altLang="en-US" sz="1000" dirty="0"/>
+              <a:t>이미지 크기는 </a:t>
+            </a:r>
+            <a:r>
+              <a:rPr lang="en-US" altLang="ko-KR" sz="1000" dirty="0"/>
+              <a:t>250px * 200px </a:t>
+            </a:r>
+            <a:r>
+              <a:rPr lang="ko-KR" altLang="en-US" sz="1000" dirty="0"/>
+              <a:t>입니다</a:t>
+            </a:r>
+            <a:r>
+              <a:rPr lang="en-US" altLang="ko-KR" sz="1000" dirty="0"/>
+              <a:t>. (</a:t>
+            </a:r>
+            <a:r>
+              <a:rPr lang="ko-KR" altLang="en-US" sz="1000" dirty="0"/>
+              <a:t>이미지 태그만 사용하세요</a:t>
+            </a:r>
+            <a:r>
+              <a:rPr lang="en-US" altLang="ko-KR" sz="1000" dirty="0"/>
+              <a:t>, </a:t>
+            </a:r>
+            <a:r>
+              <a:rPr lang="ko-KR" altLang="en-US" sz="1000" dirty="0"/>
+              <a:t>사진 없습니다</a:t>
+            </a:r>
+            <a:r>
+              <a:rPr lang="en-US" altLang="ko-KR" sz="1000" dirty="0"/>
+              <a:t>.)</a:t>
+            </a:r>
+          </a:p>
+          <a:p>
+            <a:pPr marL="228600" indent="-228600">
+              <a:buAutoNum type="arabicPeriod"/>
+            </a:pPr>
+            <a:r>
+              <a:rPr lang="ko-KR" altLang="en-US" sz="1000" dirty="0"/>
+              <a:t>폰트 칼라는 </a:t>
+            </a:r>
+            <a:r>
+              <a:rPr lang="en-US" altLang="ko-KR" sz="1000" dirty="0"/>
+              <a:t>#484872 </a:t>
+            </a:r>
+            <a:r>
+              <a:rPr lang="ko-KR" altLang="en-US" sz="1000" dirty="0"/>
+              <a:t>입니다</a:t>
+            </a:r>
+            <a:r>
+              <a:rPr lang="en-US" altLang="ko-KR" sz="1000" dirty="0"/>
+              <a:t>.</a:t>
+            </a:r>
+          </a:p>
+          <a:p>
+            <a:pPr marL="228600" indent="-228600">
+              <a:buAutoNum type="arabicPeriod"/>
+            </a:pPr>
+            <a:r>
+              <a:rPr lang="ko-KR" altLang="en-US" sz="1000" dirty="0"/>
+              <a:t>이미지를 감싸는 </a:t>
+            </a:r>
+            <a:r>
+              <a:rPr lang="en-US" altLang="ko-KR" sz="1000" dirty="0"/>
+              <a:t>container</a:t>
+            </a:r>
+            <a:r>
+              <a:rPr lang="ko-KR" altLang="en-US" sz="1000" dirty="0"/>
+              <a:t>에 </a:t>
+            </a:r>
+            <a:r>
+              <a:rPr lang="en-US" altLang="ko-KR" sz="1000" dirty="0"/>
+              <a:t>flex-wrap : wrap</a:t>
+            </a:r>
+            <a:r>
+              <a:rPr lang="ko-KR" altLang="en-US" sz="1000"/>
+              <a:t>을 사용할 것</a:t>
+            </a:r>
+            <a:r>
+              <a:rPr lang="en-US" altLang="ko-KR" sz="1000"/>
+              <a:t>.</a:t>
+            </a:r>
+            <a:endParaRPr lang="en-US" altLang="ko-KR" sz="1000" dirty="0"/>
+          </a:p>
+        </p:txBody>
+      </p:sp>
+    </p:spTree>
+    <p:extLst>
+      <p:ext uri="{BB962C8B-B14F-4D97-AF65-F5344CB8AC3E}">
+        <p14:creationId xmlns:p14="http://schemas.microsoft.com/office/powerpoint/2010/main" val="3786499712"/>
       </p:ext>
     </p:extLst>
   </p:cSld>

--- a/1. STEP/10일차/FLEX_문제.pptx
+++ b/1. STEP/10일차/FLEX_문제.pptx
@@ -5,10 +5,11 @@
     <p:sldMasterId id="2147483660" r:id="rId1"/>
   </p:sldMasterIdLst>
   <p:sldIdLst>
-    <p:sldId id="261" r:id="rId2"/>
-    <p:sldId id="259" r:id="rId3"/>
-    <p:sldId id="260" r:id="rId4"/>
-    <p:sldId id="262" r:id="rId5"/>
+    <p:sldId id="263" r:id="rId2"/>
+    <p:sldId id="261" r:id="rId3"/>
+    <p:sldId id="259" r:id="rId4"/>
+    <p:sldId id="260" r:id="rId5"/>
+    <p:sldId id="262" r:id="rId6"/>
   </p:sldIdLst>
   <p:sldSz cx="9144000" cy="6858000" type="screen4x3"/>
   <p:notesSz cx="6858000" cy="9144000"/>
@@ -2979,6 +2980,322 @@
           <p:cNvPr id="3" name="그림 2">
             <a:extLst>
               <a:ext uri="{FF2B5EF4-FFF2-40B4-BE49-F238E27FC236}">
+                <a16:creationId xmlns:a16="http://schemas.microsoft.com/office/drawing/2014/main" id="{1CA63268-0B9D-CECF-DD14-786FA9C6B1F8}"/>
+              </a:ext>
+            </a:extLst>
+          </p:cNvPr>
+          <p:cNvPicPr>
+            <a:picLocks noChangeAspect="1"/>
+          </p:cNvPicPr>
+          <p:nvPr/>
+        </p:nvPicPr>
+        <p:blipFill>
+          <a:blip r:embed="rId2"/>
+          <a:stretch>
+            <a:fillRect/>
+          </a:stretch>
+        </p:blipFill>
+        <p:spPr>
+          <a:xfrm>
+            <a:off x="0" y="0"/>
+            <a:ext cx="9144000" cy="643944"/>
+          </a:xfrm>
+          <a:prstGeom prst="rect">
+            <a:avLst/>
+          </a:prstGeom>
+        </p:spPr>
+      </p:pic>
+      <p:sp>
+        <p:nvSpPr>
+          <p:cNvPr id="4" name="TextBox 3">
+            <a:extLst>
+              <a:ext uri="{FF2B5EF4-FFF2-40B4-BE49-F238E27FC236}">
+                <a16:creationId xmlns:a16="http://schemas.microsoft.com/office/drawing/2014/main" id="{44B29C52-397C-601C-5BAF-87ACC45C4D3D}"/>
+              </a:ext>
+            </a:extLst>
+          </p:cNvPr>
+          <p:cNvSpPr txBox="1"/>
+          <p:nvPr/>
+        </p:nvSpPr>
+        <p:spPr>
+          <a:xfrm>
+            <a:off x="175721" y="1400302"/>
+            <a:ext cx="5186468" cy="1477328"/>
+          </a:xfrm>
+          <a:prstGeom prst="rect">
+            <a:avLst/>
+          </a:prstGeom>
+          <a:noFill/>
+        </p:spPr>
+        <p:txBody>
+          <a:bodyPr wrap="square" rtlCol="0">
+            <a:spAutoFit/>
+          </a:bodyPr>
+          <a:lstStyle/>
+          <a:p>
+            <a:r>
+              <a:rPr lang="ko-KR" altLang="en-US" sz="1000" dirty="0"/>
+              <a:t>위  레이아웃을 만들어 보세요</a:t>
+            </a:r>
+            <a:r>
+              <a:rPr lang="en-US" altLang="ko-KR" sz="1000" dirty="0"/>
+              <a:t>. </a:t>
+            </a:r>
+            <a:r>
+              <a:rPr lang="ko-KR" altLang="en-US" sz="1000" dirty="0"/>
+              <a:t>경계선</a:t>
+            </a:r>
+            <a:r>
+              <a:rPr lang="en-US" altLang="ko-KR" sz="1000" dirty="0"/>
+              <a:t>(border) </a:t>
+            </a:r>
+            <a:r>
+              <a:rPr lang="ko-KR" altLang="en-US" sz="1000" dirty="0"/>
+              <a:t>표현은</a:t>
+            </a:r>
+            <a:r>
+              <a:rPr lang="en-US" altLang="ko-KR" sz="1000" dirty="0"/>
+              <a:t>(</a:t>
+            </a:r>
+            <a:r>
+              <a:rPr lang="ko-KR" altLang="en-US" sz="1000" dirty="0"/>
+              <a:t>는</a:t>
+            </a:r>
+            <a:r>
+              <a:rPr lang="en-US" altLang="ko-KR" sz="1000" dirty="0"/>
+              <a:t>) </a:t>
+            </a:r>
+            <a:r>
+              <a:rPr lang="ko-KR" altLang="en-US" sz="1000" dirty="0"/>
+              <a:t>자유입니다</a:t>
+            </a:r>
+            <a:r>
+              <a:rPr lang="en-US" altLang="ko-KR" sz="1000" dirty="0"/>
+              <a:t>.</a:t>
+            </a:r>
+          </a:p>
+          <a:p>
+            <a:r>
+              <a:rPr lang="ko-KR" altLang="en-US" sz="1000" dirty="0"/>
+              <a:t>글씨폰트는 다를 수 있습니다</a:t>
+            </a:r>
+            <a:r>
+              <a:rPr lang="en-US" altLang="ko-KR" sz="1000" dirty="0"/>
+              <a:t>.</a:t>
+            </a:r>
+          </a:p>
+          <a:p>
+            <a:endParaRPr lang="en-US" altLang="ko-KR" sz="1000" b="1" dirty="0">
+              <a:solidFill>
+                <a:srgbClr val="FF0000"/>
+              </a:solidFill>
+            </a:endParaRPr>
+          </a:p>
+          <a:p>
+            <a:r>
+              <a:rPr lang="ko-KR" altLang="en-US" sz="1000" b="1" dirty="0">
+                <a:solidFill>
+                  <a:srgbClr val="FF0000"/>
+                </a:solidFill>
+              </a:rPr>
+              <a:t>위 레이아웃은 </a:t>
+            </a:r>
+            <a:r>
+              <a:rPr lang="en-US" altLang="ko-KR" sz="1000" b="1" dirty="0">
+                <a:solidFill>
+                  <a:srgbClr val="FF0000"/>
+                </a:solidFill>
+              </a:rPr>
+              <a:t>Flex</a:t>
+            </a:r>
+            <a:r>
+              <a:rPr lang="ko-KR" altLang="en-US" sz="1000" b="1" dirty="0">
+                <a:solidFill>
+                  <a:srgbClr val="FF0000"/>
+                </a:solidFill>
+              </a:rPr>
+              <a:t> </a:t>
+            </a:r>
+            <a:r>
+              <a:rPr lang="en-US" altLang="ko-KR" sz="1000" b="1" dirty="0">
+                <a:solidFill>
+                  <a:srgbClr val="FF0000"/>
+                </a:solidFill>
+              </a:rPr>
+              <a:t>0</a:t>
+            </a:r>
+            <a:r>
+              <a:rPr lang="ko-KR" altLang="en-US" sz="1000" b="1" dirty="0">
+                <a:solidFill>
+                  <a:srgbClr val="FF0000"/>
+                </a:solidFill>
+              </a:rPr>
+              <a:t>번 사용했습니다</a:t>
+            </a:r>
+            <a:r>
+              <a:rPr lang="en-US" altLang="ko-KR" sz="1000" b="1" dirty="0">
+                <a:solidFill>
+                  <a:srgbClr val="FF0000"/>
+                </a:solidFill>
+              </a:rPr>
+              <a:t>.</a:t>
+            </a:r>
+          </a:p>
+          <a:p>
+            <a:endParaRPr lang="en-US" altLang="ko-KR" sz="1000" b="1" dirty="0">
+              <a:solidFill>
+                <a:srgbClr val="FF0000"/>
+              </a:solidFill>
+            </a:endParaRPr>
+          </a:p>
+          <a:p>
+            <a:r>
+              <a:rPr lang="en-US" altLang="ko-KR" sz="1000" b="1" dirty="0">
+                <a:solidFill>
+                  <a:srgbClr val="FF0000"/>
+                </a:solidFill>
+              </a:rPr>
+              <a:t>*</a:t>
+            </a:r>
+            <a:r>
+              <a:rPr lang="en-US" altLang="ko-KR" sz="1000" dirty="0"/>
+              <a:t> </a:t>
+            </a:r>
+            <a:r>
+              <a:rPr lang="ko-KR" altLang="en-US" sz="1000" b="1" dirty="0">
+                <a:solidFill>
+                  <a:srgbClr val="FF0000"/>
+                </a:solidFill>
+              </a:rPr>
+              <a:t>읽고 풀 것</a:t>
+            </a:r>
+          </a:p>
+          <a:p>
+            <a:pPr marL="228600" indent="-228600">
+              <a:buAutoNum type="arabicPeriod"/>
+            </a:pPr>
+            <a:r>
+              <a:rPr lang="ko-KR" altLang="en-US" sz="1000" dirty="0"/>
+              <a:t>배경색은 </a:t>
+            </a:r>
+            <a:r>
+              <a:rPr lang="en-US" altLang="ko-KR" sz="1000" dirty="0"/>
+              <a:t>#484872 </a:t>
+            </a:r>
+            <a:r>
+              <a:rPr lang="ko-KR" altLang="en-US" sz="1000" dirty="0"/>
+              <a:t>입니다</a:t>
+            </a:r>
+            <a:r>
+              <a:rPr lang="en-US" altLang="ko-KR" sz="1000" dirty="0"/>
+              <a:t>.</a:t>
+            </a:r>
+          </a:p>
+          <a:p>
+            <a:pPr marL="228600" indent="-228600">
+              <a:buFontTx/>
+              <a:buAutoNum type="arabicPeriod"/>
+            </a:pPr>
+            <a:r>
+              <a:rPr lang="en-US" altLang="ko-KR" sz="1000" dirty="0">
+                <a:latin typeface="Consolas" panose="020B0609020204030204" pitchFamily="49" charset="0"/>
+              </a:rPr>
+              <a:t>P</a:t>
+            </a:r>
+            <a:r>
+              <a:rPr lang="ko-KR" altLang="en-US" sz="1000" dirty="0">
+                <a:latin typeface="Consolas" panose="020B0609020204030204" pitchFamily="49" charset="0"/>
+              </a:rPr>
+              <a:t>태그는 블록 태그 중 하나입니다</a:t>
+            </a:r>
+            <a:r>
+              <a:rPr lang="en-US" altLang="ko-KR" sz="1000" dirty="0">
+                <a:latin typeface="Consolas" panose="020B0609020204030204" pitchFamily="49" charset="0"/>
+              </a:rPr>
+              <a:t>.</a:t>
+            </a:r>
+            <a:r>
+              <a:rPr lang="pl-PL" altLang="ko-KR" sz="1000" b="0" i="0" dirty="0">
+                <a:solidFill>
+                  <a:srgbClr val="000000"/>
+                </a:solidFill>
+                <a:effectLst/>
+                <a:latin typeface="Ubuntu Condensed" panose="020F0502020204030204" pitchFamily="34" charset="0"/>
+              </a:rPr>
+              <a:t> &lt;div&gt;, &lt;p&gt;, &lt;h1~h6&gt;, &lt;ul&gt; </a:t>
+            </a:r>
+            <a:r>
+              <a:rPr lang="en-US" altLang="ko-KR" sz="1000" b="0" i="0" dirty="0">
+                <a:solidFill>
+                  <a:srgbClr val="000000"/>
+                </a:solidFill>
+                <a:effectLst/>
+                <a:latin typeface="Ubuntu Condensed" panose="020F0502020204030204" pitchFamily="34" charset="0"/>
+              </a:rPr>
+              <a:t> </a:t>
+            </a:r>
+            <a:r>
+              <a:rPr lang="ko-KR" altLang="en-US" sz="1000" b="0" i="0" dirty="0">
+                <a:solidFill>
+                  <a:srgbClr val="000000"/>
+                </a:solidFill>
+                <a:effectLst/>
+                <a:latin typeface="Ubuntu Condensed" panose="020F0502020204030204" pitchFamily="34" charset="0"/>
+              </a:rPr>
+              <a:t>블록태그는 세로로 배치되는 특징이 있습니다</a:t>
+            </a:r>
+            <a:r>
+              <a:rPr lang="en-US" altLang="ko-KR" sz="1000" b="0" i="0" dirty="0">
+                <a:solidFill>
+                  <a:srgbClr val="000000"/>
+                </a:solidFill>
+                <a:effectLst/>
+                <a:latin typeface="Ubuntu Condensed" panose="020F0502020204030204" pitchFamily="34" charset="0"/>
+              </a:rPr>
+              <a:t>.</a:t>
+            </a:r>
+            <a:endParaRPr lang="en-US" altLang="ko-KR" sz="1000" b="0" dirty="0">
+              <a:effectLst/>
+              <a:latin typeface="Consolas" panose="020B0609020204030204" pitchFamily="49" charset="0"/>
+            </a:endParaRPr>
+          </a:p>
+        </p:txBody>
+      </p:sp>
+    </p:spTree>
+    <p:extLst>
+      <p:ext uri="{BB962C8B-B14F-4D97-AF65-F5344CB8AC3E}">
+        <p14:creationId xmlns:p14="http://schemas.microsoft.com/office/powerpoint/2010/main" val="1338157853"/>
+      </p:ext>
+    </p:extLst>
+  </p:cSld>
+  <p:clrMapOvr>
+    <a:masterClrMapping/>
+  </p:clrMapOvr>
+</p:sld>
+</file>
+
+<file path=ppt/slides/slide2.xml><?xml version="1.0" encoding="utf-8"?>
+<p:sld xmlns:a="http://schemas.openxmlformats.org/drawingml/2006/main" xmlns:r="http://schemas.openxmlformats.org/officeDocument/2006/relationships" xmlns:p="http://schemas.openxmlformats.org/presentationml/2006/main">
+  <p:cSld>
+    <p:spTree>
+      <p:nvGrpSpPr>
+        <p:cNvPr id="1" name=""/>
+        <p:cNvGrpSpPr/>
+        <p:nvPr/>
+      </p:nvGrpSpPr>
+      <p:grpSpPr>
+        <a:xfrm>
+          <a:off x="0" y="0"/>
+          <a:ext cx="0" cy="0"/>
+          <a:chOff x="0" y="0"/>
+          <a:chExt cx="0" cy="0"/>
+        </a:xfrm>
+      </p:grpSpPr>
+      <p:pic>
+        <p:nvPicPr>
+          <p:cNvPr id="3" name="그림 2">
+            <a:extLst>
+              <a:ext uri="{FF2B5EF4-FFF2-40B4-BE49-F238E27FC236}">
                 <a16:creationId xmlns:a16="http://schemas.microsoft.com/office/drawing/2014/main" id="{85413538-8AB9-DE7D-7A0E-47E617A5C19A}"/>
               </a:ext>
             </a:extLst>
@@ -3304,7 +3621,7 @@
 </p:sld>
 </file>
 
-<file path=ppt/slides/slide2.xml><?xml version="1.0" encoding="utf-8"?>
+<file path=ppt/slides/slide3.xml><?xml version="1.0" encoding="utf-8"?>
 <p:sld xmlns:a="http://schemas.openxmlformats.org/drawingml/2006/main" xmlns:r="http://schemas.openxmlformats.org/officeDocument/2006/relationships" xmlns:p="http://schemas.openxmlformats.org/presentationml/2006/main">
   <p:cSld>
     <p:spTree>
@@ -3674,7 +3991,7 @@
 </p:sld>
 </file>
 
-<file path=ppt/slides/slide3.xml><?xml version="1.0" encoding="utf-8"?>
+<file path=ppt/slides/slide4.xml><?xml version="1.0" encoding="utf-8"?>
 <p:sld xmlns:a="http://schemas.openxmlformats.org/drawingml/2006/main" xmlns:r="http://schemas.openxmlformats.org/officeDocument/2006/relationships" xmlns:p="http://schemas.openxmlformats.org/presentationml/2006/main">
   <p:cSld>
     <p:spTree>
@@ -3967,7 +4284,7 @@
 </p:sld>
 </file>
 
-<file path=ppt/slides/slide4.xml><?xml version="1.0" encoding="utf-8"?>
+<file path=ppt/slides/slide5.xml><?xml version="1.0" encoding="utf-8"?>
 <p:sld xmlns:a="http://schemas.openxmlformats.org/drawingml/2006/main" xmlns:r="http://schemas.openxmlformats.org/officeDocument/2006/relationships" xmlns:p="http://schemas.openxmlformats.org/presentationml/2006/main">
   <p:cSld>
     <p:spTree>
